--- a/Die Zahnärztliche Abrechnungsgesellschaft AG.pptx
+++ b/Die Zahnärztliche Abrechnungsgesellschaft AG.pptx
@@ -9,8 +9,9 @@
     <p:sldId id="257" r:id="rId3"/>
     <p:sldId id="258" r:id="rId4"/>
     <p:sldId id="259" r:id="rId5"/>
-    <p:sldId id="260" r:id="rId6"/>
-    <p:sldId id="261" r:id="rId7"/>
+    <p:sldId id="262" r:id="rId6"/>
+    <p:sldId id="260" r:id="rId7"/>
+    <p:sldId id="261" r:id="rId8"/>
   </p:sldIdLst>
   <p:sldSz cx="9144000" cy="6858000" type="screen4x3"/>
   <p:notesSz cx="6858000" cy="9144000"/>
@@ -293,7 +294,7 @@
           <a:p>
             <a:fld id="{5E6B72D5-C570-4B9B-ABA2-E05840AFC85A}" type="datetimeFigureOut">
               <a:rPr lang="de-DE" smtClean="0"/>
-              <a:t>23.03.2017</a:t>
+              <a:t>28.03.2017</a:t>
             </a:fld>
             <a:endParaRPr lang="de-DE"/>
           </a:p>
@@ -470,7 +471,7 @@
           <a:p>
             <a:fld id="{5E6B72D5-C570-4B9B-ABA2-E05840AFC85A}" type="datetimeFigureOut">
               <a:rPr lang="de-DE" smtClean="0"/>
-              <a:t>23.03.2017</a:t>
+              <a:t>28.03.2017</a:t>
             </a:fld>
             <a:endParaRPr lang="de-DE"/>
           </a:p>
@@ -650,7 +651,7 @@
           <a:p>
             <a:fld id="{5E6B72D5-C570-4B9B-ABA2-E05840AFC85A}" type="datetimeFigureOut">
               <a:rPr lang="de-DE" smtClean="0"/>
-              <a:t>23.03.2017</a:t>
+              <a:t>28.03.2017</a:t>
             </a:fld>
             <a:endParaRPr lang="de-DE"/>
           </a:p>
@@ -820,7 +821,7 @@
           <a:p>
             <a:fld id="{5E6B72D5-C570-4B9B-ABA2-E05840AFC85A}" type="datetimeFigureOut">
               <a:rPr lang="de-DE" smtClean="0"/>
-              <a:t>23.03.2017</a:t>
+              <a:t>28.03.2017</a:t>
             </a:fld>
             <a:endParaRPr lang="de-DE"/>
           </a:p>
@@ -1066,7 +1067,7 @@
           <a:p>
             <a:fld id="{5E6B72D5-C570-4B9B-ABA2-E05840AFC85A}" type="datetimeFigureOut">
               <a:rPr lang="de-DE" smtClean="0"/>
-              <a:t>23.03.2017</a:t>
+              <a:t>28.03.2017</a:t>
             </a:fld>
             <a:endParaRPr lang="de-DE"/>
           </a:p>
@@ -1354,7 +1355,7 @@
           <a:p>
             <a:fld id="{5E6B72D5-C570-4B9B-ABA2-E05840AFC85A}" type="datetimeFigureOut">
               <a:rPr lang="de-DE" smtClean="0"/>
-              <a:t>23.03.2017</a:t>
+              <a:t>28.03.2017</a:t>
             </a:fld>
             <a:endParaRPr lang="de-DE"/>
           </a:p>
@@ -1776,7 +1777,7 @@
           <a:p>
             <a:fld id="{5E6B72D5-C570-4B9B-ABA2-E05840AFC85A}" type="datetimeFigureOut">
               <a:rPr lang="de-DE" smtClean="0"/>
-              <a:t>23.03.2017</a:t>
+              <a:t>28.03.2017</a:t>
             </a:fld>
             <a:endParaRPr lang="de-DE"/>
           </a:p>
@@ -1894,7 +1895,7 @@
           <a:p>
             <a:fld id="{5E6B72D5-C570-4B9B-ABA2-E05840AFC85A}" type="datetimeFigureOut">
               <a:rPr lang="de-DE" smtClean="0"/>
-              <a:t>23.03.2017</a:t>
+              <a:t>28.03.2017</a:t>
             </a:fld>
             <a:endParaRPr lang="de-DE"/>
           </a:p>
@@ -1989,7 +1990,7 @@
           <a:p>
             <a:fld id="{5E6B72D5-C570-4B9B-ABA2-E05840AFC85A}" type="datetimeFigureOut">
               <a:rPr lang="de-DE" smtClean="0"/>
-              <a:t>23.03.2017</a:t>
+              <a:t>28.03.2017</a:t>
             </a:fld>
             <a:endParaRPr lang="de-DE"/>
           </a:p>
@@ -2266,7 +2267,7 @@
           <a:p>
             <a:fld id="{5E6B72D5-C570-4B9B-ABA2-E05840AFC85A}" type="datetimeFigureOut">
               <a:rPr lang="de-DE" smtClean="0"/>
-              <a:t>23.03.2017</a:t>
+              <a:t>28.03.2017</a:t>
             </a:fld>
             <a:endParaRPr lang="de-DE"/>
           </a:p>
@@ -2523,7 +2524,7 @@
           <a:p>
             <a:fld id="{5E6B72D5-C570-4B9B-ABA2-E05840AFC85A}" type="datetimeFigureOut">
               <a:rPr lang="de-DE" smtClean="0"/>
-              <a:t>23.03.2017</a:t>
+              <a:t>28.03.2017</a:t>
             </a:fld>
             <a:endParaRPr lang="de-DE"/>
           </a:p>
@@ -2844,7 +2845,7 @@
           <a:p>
             <a:fld id="{5E6B72D5-C570-4B9B-ABA2-E05840AFC85A}" type="datetimeFigureOut">
               <a:rPr lang="de-DE" smtClean="0"/>
-              <a:t>23.03.2017</a:t>
+              <a:t>28.03.2017</a:t>
             </a:fld>
             <a:endParaRPr lang="de-DE"/>
           </a:p>
@@ -3933,32 +3934,52 @@
           </a:lstStyle>
           <a:p>
             <a:r>
+              <a:rPr lang="de-DE" sz="2000" b="1" u="sng" dirty="0" smtClean="0"/>
+              <a:t>Position / Bereich:  </a:t>
+            </a:r>
+            <a:r>
               <a:rPr lang="de-DE" sz="2000" dirty="0" smtClean="0"/>
-              <a:t>Position / Bereich:  IT / Anwendungsentwicklung</a:t>
-            </a:r>
-          </a:p>
-          <a:p>
+              <a:t>IT / Anwendungsentwicklung</a:t>
+            </a:r>
+          </a:p>
+          <a:p>
+            <a:r>
+              <a:rPr lang="de-DE" sz="2000" b="1" u="sng" dirty="0" smtClean="0"/>
+              <a:t>Aufgaben: </a:t>
+            </a:r>
             <a:r>
               <a:rPr lang="de-DE" sz="2000" dirty="0" smtClean="0"/>
-              <a:t>Aufgaben: 		Einarbeitung in Programmiersprachen zur 				Absolvierung kleinerer Aufgaben </a:t>
-            </a:r>
-          </a:p>
-          <a:p>
+              <a:t>		Einarbeitung in Programmiersprachen zur 				Absolvierung kleinerer Aufgaben </a:t>
+            </a:r>
+          </a:p>
+          <a:p>
+            <a:r>
+              <a:rPr lang="de-DE" sz="2000" b="1" u="sng" dirty="0" smtClean="0"/>
+              <a:t>Was mir geholfen hat: </a:t>
+            </a:r>
             <a:r>
               <a:rPr lang="de-DE" sz="2000" dirty="0" smtClean="0"/>
-              <a:t>Was mir geholfen hat: 	Interesse an dem Erwerb von 					Programmierfähigkeiten, strukturierte 				Vorgehensweise zur Lösung von Problemen</a:t>
-            </a:r>
-          </a:p>
-          <a:p>
+              <a:t>	Interesse an dem Erwerb von 					Programmierfähigkeiten, strukturierte 				Vorgehensweise zur Lösung von Problemen</a:t>
+            </a:r>
+          </a:p>
+          <a:p>
+            <a:r>
+              <a:rPr lang="de-DE" sz="2000" b="1" u="sng" dirty="0" smtClean="0"/>
+              <a:t>Was mir gefehlt hat:</a:t>
+            </a:r>
             <a:r>
               <a:rPr lang="de-DE" sz="2000" dirty="0" smtClean="0"/>
-              <a:t>Was mir gefehlt hat:	Fehlende Grundlagen erschwerten den Einstieg</a:t>
-            </a:r>
-          </a:p>
-          <a:p>
+              <a:t>	Fehlende Grundlagen erschwerten den Einstieg</a:t>
+            </a:r>
+          </a:p>
+          <a:p>
+            <a:r>
+              <a:rPr lang="de-DE" sz="2000" b="1" u="sng" dirty="0" smtClean="0"/>
+              <a:t>Was ich gelernt habe: </a:t>
+            </a:r>
             <a:r>
               <a:rPr lang="de-DE" sz="2000" dirty="0" smtClean="0"/>
-              <a:t>Was ich gelernt habe: 	Grundlagen und Einblicke in diverse Sprachen</a:t>
+              <a:t>	Grundlagen und Einblicke in diverse Sprachen</a:t>
             </a:r>
           </a:p>
           <a:p>
@@ -4109,11 +4130,106 @@
             <p:ph idx="1"/>
           </p:nvPr>
         </p:nvSpPr>
-        <p:spPr/>
-        <p:txBody>
-          <a:bodyPr/>
-          <a:lstStyle/>
-          <a:p>
+        <p:spPr>
+          <a:xfrm>
+            <a:off x="395534" y="1412776"/>
+            <a:ext cx="8229600" cy="4525963"/>
+          </a:xfrm>
+        </p:spPr>
+        <p:txBody>
+          <a:bodyPr>
+            <a:normAutofit/>
+          </a:bodyPr>
+          <a:lstStyle/>
+          <a:p>
+            <a:r>
+              <a:rPr lang="de-DE" sz="2000" b="1" u="sng" dirty="0" smtClean="0"/>
+              <a:t>Problem:</a:t>
+            </a:r>
+            <a:r>
+              <a:rPr lang="de-DE" sz="2000" b="1" dirty="0" smtClean="0"/>
+              <a:t> </a:t>
+            </a:r>
+            <a:r>
+              <a:rPr lang="de-DE" sz="2000" dirty="0" smtClean="0"/>
+              <a:t>	stockender Innerbetrieblicher Informationsfluss Aufgrund 		von fehlendem Wissen bzw</a:t>
+            </a:r>
+            <a:r>
+              <a:rPr lang="de-DE" sz="2000" dirty="0" smtClean="0"/>
+              <a:t>. fehlender Absprache</a:t>
+            </a:r>
+          </a:p>
+          <a:p>
+            <a:endParaRPr lang="de-DE" sz="2000" dirty="0"/>
+          </a:p>
+          <a:p>
+            <a:r>
+              <a:rPr lang="de-DE" sz="2000" b="1" u="sng" dirty="0" smtClean="0"/>
+              <a:t>Folgen:</a:t>
+            </a:r>
+            <a:r>
+              <a:rPr lang="de-DE" sz="2000" b="1" dirty="0" smtClean="0"/>
+              <a:t>    </a:t>
+            </a:r>
+            <a:r>
+              <a:rPr lang="de-DE" sz="2000" dirty="0" smtClean="0"/>
+              <a:t>	Erschwerte Kommunikation, da nicht jeder weiß welche 		Systeme verwendet werden und wie jene funktionieren</a:t>
+            </a:r>
+            <a:br>
+              <a:rPr lang="de-DE" sz="2000" dirty="0" smtClean="0"/>
+            </a:br>
+            <a:r>
+              <a:rPr lang="de-DE" sz="2000" dirty="0" smtClean="0"/>
+              <a:t>		</a:t>
+            </a:r>
+            <a:br>
+              <a:rPr lang="de-DE" sz="2000" dirty="0" smtClean="0"/>
+            </a:br>
+            <a:r>
+              <a:rPr lang="de-DE" sz="2000" dirty="0" smtClean="0"/>
+              <a:t>		Erhöhter </a:t>
+            </a:r>
+            <a:r>
+              <a:rPr lang="de-DE" sz="2000" dirty="0" err="1" smtClean="0"/>
+              <a:t>Arbeits</a:t>
+            </a:r>
+            <a:r>
+              <a:rPr lang="de-DE" sz="2000" dirty="0" smtClean="0"/>
+              <a:t> – und Zeitaufwand</a:t>
+            </a:r>
+            <a:br>
+              <a:rPr lang="de-DE" sz="2000" dirty="0" smtClean="0"/>
+            </a:br>
+            <a:r>
+              <a:rPr lang="de-DE" sz="2000" dirty="0" smtClean="0"/>
+              <a:t/>
+            </a:r>
+            <a:br>
+              <a:rPr lang="de-DE" sz="2000" dirty="0" smtClean="0"/>
+            </a:br>
+            <a:r>
+              <a:rPr lang="de-DE" sz="2000" dirty="0" smtClean="0"/>
+              <a:t>		Entstehung von Stress</a:t>
+            </a:r>
+            <a:r>
+              <a:rPr lang="de-DE" dirty="0" smtClean="0"/>
+              <a:t/>
+            </a:r>
+            <a:br>
+              <a:rPr lang="de-DE" dirty="0" smtClean="0"/>
+            </a:br>
+            <a:r>
+              <a:rPr lang="de-DE" dirty="0" smtClean="0"/>
+              <a:t>	</a:t>
+            </a:r>
+            <a:r>
+              <a:rPr lang="de-DE" dirty="0" smtClean="0"/>
+              <a:t>	  </a:t>
+            </a:r>
+            <a:r>
+              <a:rPr lang="de-DE" dirty="0" smtClean="0"/>
+              <a:t>			</a:t>
+            </a:r>
             <a:endParaRPr lang="de-DE" dirty="0"/>
           </a:p>
         </p:txBody>
@@ -4146,7 +4262,7 @@
                   <a:schemeClr val="bg1"/>
                 </a:solidFill>
               </a:rPr>
-              <a:t>Persönlich</a:t>
+              <a:t>Optimierung</a:t>
             </a:r>
             <a:endParaRPr lang="de-DE" sz="4000" dirty="0">
               <a:solidFill>
@@ -4179,12 +4295,12 @@
           <a:lstStyle/>
           <a:p>
             <a:r>
-              <a:rPr lang="de-DE" dirty="0" smtClean="0">
+              <a:rPr lang="de-DE" smtClean="0">
                 <a:solidFill>
                   <a:schemeClr val="bg1"/>
                 </a:solidFill>
               </a:rPr>
-              <a:t>Persönliches</a:t>
+              <a:t>Optimierung</a:t>
             </a:r>
             <a:endParaRPr lang="de-DE" dirty="0">
               <a:solidFill>
@@ -4233,62 +4349,6 @@
       </p:grpSpPr>
       <p:sp>
         <p:nvSpPr>
-          <p:cNvPr id="3" name="Inhaltsplatzhalter 2"/>
-          <p:cNvSpPr>
-            <a:spLocks noGrp="1"/>
-          </p:cNvSpPr>
-          <p:nvPr>
-            <p:ph idx="1"/>
-          </p:nvPr>
-        </p:nvSpPr>
-        <p:spPr/>
-        <p:txBody>
-          <a:bodyPr>
-            <a:normAutofit/>
-          </a:bodyPr>
-          <a:lstStyle/>
-          <a:p>
-            <a:r>
-              <a:rPr lang="de-DE" sz="2000" dirty="0" smtClean="0"/>
-              <a:t>Mein Erfolg: 	Anwendung zur </a:t>
-            </a:r>
-            <a:r>
-              <a:rPr lang="de-DE" sz="2000" dirty="0" smtClean="0"/>
-              <a:t>Bearbeitung und Validierung 			innerbetrieblicher </a:t>
-            </a:r>
-            <a:r>
-              <a:rPr lang="de-DE" sz="2000" dirty="0" smtClean="0"/>
-              <a:t>Daten </a:t>
-            </a:r>
-            <a:r>
-              <a:rPr lang="de-DE" sz="2000" dirty="0" smtClean="0"/>
-              <a:t>der Firmeneigenen 			Kundendatenbank</a:t>
-            </a:r>
-            <a:endParaRPr lang="de-DE" sz="1200" dirty="0" smtClean="0"/>
-          </a:p>
-          <a:p>
-            <a:endParaRPr lang="de-DE" sz="2000" dirty="0"/>
-          </a:p>
-          <a:p>
-            <a:r>
-              <a:rPr lang="de-DE" sz="2000" dirty="0" smtClean="0"/>
-              <a:t>Ziel:		Neues Rechnungsbearbeitungssystem 				Anwenderfreundlicher zu 	gestalten</a:t>
-            </a:r>
-          </a:p>
-          <a:p>
-            <a:endParaRPr lang="de-DE" sz="2000" dirty="0"/>
-          </a:p>
-          <a:p>
-            <a:r>
-              <a:rPr lang="de-DE" sz="2000" dirty="0" smtClean="0"/>
-              <a:t>Problem: 	Fehlendes Tool zur Verifizierung von spezifischen 			Kundendaten</a:t>
-            </a:r>
-            <a:endParaRPr lang="de-DE" sz="2000" dirty="0"/>
-          </a:p>
-        </p:txBody>
-      </p:sp>
-      <p:sp>
-        <p:nvSpPr>
           <p:cNvPr id="4" name="Titel 1"/>
           <p:cNvSpPr>
             <a:spLocks noGrp="1"/>
@@ -4315,7 +4375,7 @@
                   <a:schemeClr val="bg1"/>
                 </a:solidFill>
               </a:rPr>
-              <a:t>Mein Erfolg</a:t>
+              <a:t>Optimierung</a:t>
             </a:r>
             <a:endParaRPr lang="de-DE" sz="4000" dirty="0">
               <a:solidFill>
@@ -4353,7 +4413,7 @@
                   <a:schemeClr val="bg1"/>
                 </a:solidFill>
               </a:rPr>
-              <a:t>Erfolg</a:t>
+              <a:t>Optimierung</a:t>
             </a:r>
             <a:endParaRPr lang="de-DE" dirty="0">
               <a:solidFill>
@@ -4363,10 +4423,132 @@
           </a:p>
         </p:txBody>
       </p:sp>
+      <p:sp>
+        <p:nvSpPr>
+          <p:cNvPr id="7" name="Inhaltsplatzhalter 2"/>
+          <p:cNvSpPr>
+            <a:spLocks noGrp="1"/>
+          </p:cNvSpPr>
+          <p:nvPr>
+            <p:ph idx="1"/>
+          </p:nvPr>
+        </p:nvSpPr>
+        <p:spPr>
+          <a:xfrm>
+            <a:off x="395534" y="1412776"/>
+            <a:ext cx="8229600" cy="4752528"/>
+          </a:xfrm>
+        </p:spPr>
+        <p:txBody>
+          <a:bodyPr>
+            <a:normAutofit/>
+          </a:bodyPr>
+          <a:lstStyle/>
+          <a:p>
+            <a:r>
+              <a:rPr lang="de-DE" sz="2000" b="1" u="sng" dirty="0" smtClean="0"/>
+              <a:t>Lösungsvorschläge:</a:t>
+            </a:r>
+            <a:r>
+              <a:rPr lang="de-DE" sz="2400" dirty="0"/>
+              <a:t/>
+            </a:r>
+            <a:br>
+              <a:rPr lang="de-DE" sz="2400" dirty="0"/>
+            </a:br>
+            <a:r>
+              <a:rPr lang="de-DE" sz="2400" dirty="0" smtClean="0"/>
+              <a:t>	- </a:t>
+            </a:r>
+            <a:r>
+              <a:rPr lang="de-DE" sz="2400" dirty="0" smtClean="0"/>
+              <a:t>Informationsveranstaltung in den einzelnen Abteilungen</a:t>
+            </a:r>
+            <a:br>
+              <a:rPr lang="de-DE" sz="2400" dirty="0" smtClean="0"/>
+            </a:br>
+            <a:r>
+              <a:rPr lang="de-DE" sz="2400" dirty="0" smtClean="0"/>
+              <a:t>	- Erstellen eines übersichtlichen Planes der vorhandenen</a:t>
+            </a:r>
+            <a:br>
+              <a:rPr lang="de-DE" sz="2400" dirty="0" smtClean="0"/>
+            </a:br>
+            <a:r>
+              <a:rPr lang="de-DE" sz="2400" dirty="0" smtClean="0"/>
+              <a:t>		Systeme und deren Funktion</a:t>
+            </a:r>
+            <a:br>
+              <a:rPr lang="de-DE" sz="2400" dirty="0" smtClean="0"/>
+            </a:br>
+            <a:r>
+              <a:rPr lang="de-DE" sz="2400" dirty="0" smtClean="0"/>
+              <a:t>	- direkte Kommunikation und Wissensaustausch zwischen </a:t>
+            </a:r>
+            <a:br>
+              <a:rPr lang="de-DE" sz="2400" dirty="0" smtClean="0"/>
+            </a:br>
+            <a:r>
+              <a:rPr lang="de-DE" sz="2400" dirty="0" smtClean="0"/>
+              <a:t>		Abteilung sowie gemeinsame Planung</a:t>
+            </a:r>
+          </a:p>
+          <a:p>
+            <a:endParaRPr lang="de-DE" sz="2400" dirty="0"/>
+          </a:p>
+          <a:p>
+            <a:r>
+              <a:rPr lang="de-DE" sz="2000" b="1" u="sng" dirty="0" smtClean="0"/>
+              <a:t>Erwartete Ergebnisse:</a:t>
+            </a:r>
+            <a:br>
+              <a:rPr lang="de-DE" sz="2000" b="1" u="sng" dirty="0" smtClean="0"/>
+            </a:br>
+            <a:r>
+              <a:rPr lang="de-DE" sz="2000" dirty="0" smtClean="0"/>
+              <a:t>	- schneller und konstanter Informationsfluss</a:t>
+            </a:r>
+            <a:br>
+              <a:rPr lang="de-DE" sz="2000" dirty="0" smtClean="0"/>
+            </a:br>
+            <a:r>
+              <a:rPr lang="de-DE" sz="2000" dirty="0" smtClean="0"/>
+              <a:t>	- Minderung von störendem Arbeitsaufwand</a:t>
+            </a:r>
+            <a:br>
+              <a:rPr lang="de-DE" sz="2000" dirty="0" smtClean="0"/>
+            </a:br>
+            <a:r>
+              <a:rPr lang="de-DE" sz="2000" dirty="0" smtClean="0"/>
+              <a:t>	- Offenlegung der Angebotenen Dienstleistung für Mitarbeiter sowie 		Kunden</a:t>
+            </a:r>
+            <a:r>
+              <a:rPr lang="de-DE" dirty="0" smtClean="0"/>
+              <a:t/>
+            </a:r>
+            <a:br>
+              <a:rPr lang="de-DE" dirty="0" smtClean="0"/>
+            </a:br>
+            <a:r>
+              <a:rPr lang="de-DE" dirty="0" smtClean="0"/>
+              <a:t>	</a:t>
+            </a:r>
+            <a:r>
+              <a:rPr lang="de-DE" dirty="0" smtClean="0"/>
+              <a:t>	  </a:t>
+            </a:r>
+            <a:r>
+              <a:rPr lang="de-DE" dirty="0" smtClean="0"/>
+              <a:t>			</a:t>
+            </a:r>
+            <a:endParaRPr lang="de-DE" dirty="0"/>
+          </a:p>
+        </p:txBody>
+      </p:sp>
     </p:spTree>
     <p:extLst>
       <p:ext uri="{BB962C8B-B14F-4D97-AF65-F5344CB8AC3E}">
-        <p14:creationId xmlns:p14="http://schemas.microsoft.com/office/powerpoint/2010/main" val="965989851"/>
+        <p14:creationId xmlns:p14="http://schemas.microsoft.com/office/powerpoint/2010/main" val="882139928"/>
       </p:ext>
     </p:extLst>
   </p:cSld>
@@ -4403,7 +4585,12 @@
             <p:ph idx="1"/>
           </p:nvPr>
         </p:nvSpPr>
-        <p:spPr/>
+        <p:spPr>
+          <a:xfrm>
+            <a:off x="395534" y="1412776"/>
+            <a:ext cx="8229600" cy="4525963"/>
+          </a:xfrm>
+        </p:spPr>
         <p:txBody>
           <a:bodyPr>
             <a:normAutofit/>
@@ -4411,19 +4598,194 @@
           <a:lstStyle/>
           <a:p>
             <a:r>
+              <a:rPr lang="de-DE" sz="2000" b="1" u="sng" dirty="0" smtClean="0"/>
+              <a:t>Mein Erfolg</a:t>
+            </a:r>
+            <a:r>
+              <a:rPr lang="de-DE" sz="2000" b="1" u="sng" dirty="0" smtClean="0"/>
+              <a:t>:</a:t>
+            </a:r>
+            <a:r>
               <a:rPr lang="de-DE" sz="2000" dirty="0" smtClean="0"/>
-              <a:t>Mein Einsatz:	Erwerb der nötigen Programmierkenntnisse zur Bearbeitung</a:t>
+              <a:t>	Anwendung zur Bearbeitung und Validierung 			innerbetrieblicher Daten der Firmeneigenen 			Kundendatenbank</a:t>
+            </a:r>
+            <a:endParaRPr lang="de-DE" sz="1200" dirty="0" smtClean="0"/>
+          </a:p>
+          <a:p>
+            <a:endParaRPr lang="de-DE" sz="2000" dirty="0"/>
+          </a:p>
+          <a:p>
+            <a:r>
+              <a:rPr lang="de-DE" sz="2000" b="1" u="sng" dirty="0" smtClean="0"/>
+              <a:t>Ziel:</a:t>
+            </a:r>
+            <a:r>
+              <a:rPr lang="de-DE" sz="2000" dirty="0" smtClean="0"/>
+              <a:t>		Neues Rechnungsbearbeitungssystem 				Anwenderfreundlicher zu 	gestalten</a:t>
+            </a:r>
+          </a:p>
+          <a:p>
+            <a:endParaRPr lang="de-DE" sz="2000" dirty="0"/>
+          </a:p>
+          <a:p>
+            <a:r>
+              <a:rPr lang="de-DE" sz="2000" b="1" u="sng" dirty="0" smtClean="0"/>
+              <a:t>Problem</a:t>
+            </a:r>
+            <a:r>
+              <a:rPr lang="de-DE" sz="2000" b="1" u="sng" dirty="0" smtClean="0"/>
+              <a:t>:</a:t>
+            </a:r>
+            <a:r>
+              <a:rPr lang="de-DE" sz="2000" dirty="0" smtClean="0"/>
+              <a:t>	Fehlendes Tool zur Verifizierung von spezifischen 			Kundendaten</a:t>
+            </a:r>
+            <a:endParaRPr lang="de-DE" sz="2000" dirty="0"/>
+          </a:p>
+        </p:txBody>
+      </p:sp>
+      <p:sp>
+        <p:nvSpPr>
+          <p:cNvPr id="4" name="Titel 1"/>
+          <p:cNvSpPr>
+            <a:spLocks noGrp="1"/>
+          </p:cNvSpPr>
+          <p:nvPr>
+            <p:ph type="title"/>
+          </p:nvPr>
+        </p:nvSpPr>
+        <p:spPr>
+          <a:xfrm>
+            <a:off x="2843808" y="0"/>
+            <a:ext cx="3240360" cy="1143000"/>
+          </a:xfrm>
+        </p:spPr>
+        <p:txBody>
+          <a:bodyPr>
+            <a:normAutofit/>
+          </a:bodyPr>
+          <a:lstStyle/>
+          <a:p>
+            <a:r>
+              <a:rPr lang="de-DE" sz="3200" dirty="0" smtClean="0">
+                <a:solidFill>
+                  <a:schemeClr val="bg1"/>
+                </a:solidFill>
+              </a:rPr>
+              <a:t>Mein Erfolg</a:t>
+            </a:r>
+            <a:endParaRPr lang="de-DE" sz="4000" dirty="0">
+              <a:solidFill>
+                <a:schemeClr val="bg1"/>
+              </a:solidFill>
+            </a:endParaRPr>
+          </a:p>
+        </p:txBody>
+      </p:sp>
+      <p:sp>
+        <p:nvSpPr>
+          <p:cNvPr id="5" name="Textfeld 4"/>
+          <p:cNvSpPr txBox="1"/>
+          <p:nvPr/>
+        </p:nvSpPr>
+        <p:spPr>
+          <a:xfrm>
+            <a:off x="395534" y="6397138"/>
+            <a:ext cx="2088234" cy="369332"/>
+          </a:xfrm>
+          <a:prstGeom prst="rect">
+            <a:avLst/>
+          </a:prstGeom>
+          <a:noFill/>
+        </p:spPr>
+        <p:txBody>
+          <a:bodyPr wrap="square" rtlCol="0">
+            <a:spAutoFit/>
+          </a:bodyPr>
+          <a:lstStyle/>
+          <a:p>
+            <a:r>
+              <a:rPr lang="de-DE" dirty="0" smtClean="0">
+                <a:solidFill>
+                  <a:schemeClr val="bg1"/>
+                </a:solidFill>
+              </a:rPr>
+              <a:t>Erfolg</a:t>
+            </a:r>
+            <a:endParaRPr lang="de-DE" dirty="0">
+              <a:solidFill>
+                <a:schemeClr val="bg1"/>
+              </a:solidFill>
+            </a:endParaRPr>
+          </a:p>
+        </p:txBody>
+      </p:sp>
+    </p:spTree>
+    <p:extLst>
+      <p:ext uri="{BB962C8B-B14F-4D97-AF65-F5344CB8AC3E}">
+        <p14:creationId xmlns:p14="http://schemas.microsoft.com/office/powerpoint/2010/main" val="965989851"/>
+      </p:ext>
+    </p:extLst>
+  </p:cSld>
+  <p:clrMapOvr>
+    <a:masterClrMapping/>
+  </p:clrMapOvr>
+</p:sld>
+</file>
+
+<file path=ppt/slides/slide7.xml><?xml version="1.0" encoding="utf-8"?>
+<p:sld xmlns:a="http://schemas.openxmlformats.org/drawingml/2006/main" xmlns:r="http://schemas.openxmlformats.org/officeDocument/2006/relationships" xmlns:p="http://schemas.openxmlformats.org/presentationml/2006/main">
+  <p:cSld>
+    <p:spTree>
+      <p:nvGrpSpPr>
+        <p:cNvPr id="1" name=""/>
+        <p:cNvGrpSpPr/>
+        <p:nvPr/>
+      </p:nvGrpSpPr>
+      <p:grpSpPr>
+        <a:xfrm>
+          <a:off x="0" y="0"/>
+          <a:ext cx="0" cy="0"/>
+          <a:chOff x="0" y="0"/>
+          <a:chExt cx="0" cy="0"/>
+        </a:xfrm>
+      </p:grpSpPr>
+      <p:sp>
+        <p:nvSpPr>
+          <p:cNvPr id="3" name="Inhaltsplatzhalter 2"/>
+          <p:cNvSpPr>
+            <a:spLocks noGrp="1"/>
+          </p:cNvSpPr>
+          <p:nvPr>
+            <p:ph idx="1"/>
+          </p:nvPr>
+        </p:nvSpPr>
+        <p:spPr>
+          <a:xfrm>
+            <a:off x="405067" y="1412776"/>
+            <a:ext cx="8229600" cy="4525963"/>
+          </a:xfrm>
+        </p:spPr>
+        <p:txBody>
+          <a:bodyPr>
+            <a:normAutofit/>
+          </a:bodyPr>
+          <a:lstStyle/>
+          <a:p>
+            <a:r>
+              <a:rPr lang="de-DE" sz="2000" b="1" u="sng" dirty="0" smtClean="0"/>
+              <a:t>Mein Einsatz:</a:t>
+            </a:r>
+            <a:r>
+              <a:rPr lang="de-DE" sz="2000" dirty="0" smtClean="0"/>
+              <a:t>	Erwerb der nötigen Programmierkenntnisse zur Bearbeitung</a:t>
             </a:r>
             <a:br>
               <a:rPr lang="de-DE" sz="2000" dirty="0" smtClean="0"/>
             </a:br>
             <a:r>
               <a:rPr lang="de-DE" sz="2000" dirty="0" smtClean="0"/>
-              <a:t>		von Datenbanken über verschiedene </a:t>
-            </a:r>
-            <a:r>
-              <a:rPr lang="de-DE" sz="2000" dirty="0" smtClean="0"/>
-              <a:t>Anwendungen 			( </a:t>
+              <a:t>		von Datenbanken über verschiedene Anwendungen 			( </a:t>
             </a:r>
             <a:r>
               <a:rPr lang="de-DE" sz="2000" dirty="0" err="1" smtClean="0"/>
@@ -4445,8 +4807,12 @@
           </a:p>
           <a:p>
             <a:r>
+              <a:rPr lang="de-DE" sz="2000" b="1" u="sng" dirty="0" smtClean="0"/>
+              <a:t>Fähigkeiten:</a:t>
+            </a:r>
+            <a:r>
               <a:rPr lang="de-DE" sz="2000" dirty="0" smtClean="0"/>
-              <a:t>Fähigkeiten:	Strukturierung eines Planes zum Lernen von den 			Grundlagen hin zu erweiterten Fähigkeiten,</a:t>
+              <a:t>	Strukturierung eines Planes zum Lernen von den 			Grundlagen hin zu erweiterten Fähigkeiten,</a:t>
             </a:r>
             <a:br>
               <a:rPr lang="de-DE" sz="2000" dirty="0" smtClean="0"/>
@@ -4461,8 +4827,20 @@
           </a:p>
           <a:p>
             <a:r>
+              <a:rPr lang="de-DE" sz="2000" b="1" u="sng" dirty="0" smtClean="0"/>
+              <a:t>Mein </a:t>
+            </a:r>
+            <a:r>
+              <a:rPr lang="de-DE" sz="2000" b="1" u="sng" dirty="0" smtClean="0"/>
+              <a:t>Erfolg:</a:t>
+            </a:r>
+            <a:r>
               <a:rPr lang="de-DE" sz="2000" dirty="0" smtClean="0"/>
-              <a:t>Mein Erfolg: Erleichterung der Arbeit für den Benutzer</a:t>
+              <a:t> Erleichterung </a:t>
+            </a:r>
+            <a:r>
+              <a:rPr lang="de-DE" sz="2000" dirty="0" smtClean="0"/>
+              <a:t>der Arbeit für den Benutzer</a:t>
             </a:r>
             <a:r>
               <a:rPr lang="de-DE" sz="400" dirty="0" smtClean="0"/>

--- a/Die Zahnärztliche Abrechnungsgesellschaft AG.pptx
+++ b/Die Zahnärztliche Abrechnungsgesellschaft AG.pptx
@@ -294,7 +294,7 @@
           <a:p>
             <a:fld id="{5E6B72D5-C570-4B9B-ABA2-E05840AFC85A}" type="datetimeFigureOut">
               <a:rPr lang="de-DE" smtClean="0"/>
-              <a:t>28.03.2017</a:t>
+              <a:t>29.03.2017</a:t>
             </a:fld>
             <a:endParaRPr lang="de-DE"/>
           </a:p>
@@ -471,7 +471,7 @@
           <a:p>
             <a:fld id="{5E6B72D5-C570-4B9B-ABA2-E05840AFC85A}" type="datetimeFigureOut">
               <a:rPr lang="de-DE" smtClean="0"/>
-              <a:t>28.03.2017</a:t>
+              <a:t>29.03.2017</a:t>
             </a:fld>
             <a:endParaRPr lang="de-DE"/>
           </a:p>
@@ -651,7 +651,7 @@
           <a:p>
             <a:fld id="{5E6B72D5-C570-4B9B-ABA2-E05840AFC85A}" type="datetimeFigureOut">
               <a:rPr lang="de-DE" smtClean="0"/>
-              <a:t>28.03.2017</a:t>
+              <a:t>29.03.2017</a:t>
             </a:fld>
             <a:endParaRPr lang="de-DE"/>
           </a:p>
@@ -821,7 +821,7 @@
           <a:p>
             <a:fld id="{5E6B72D5-C570-4B9B-ABA2-E05840AFC85A}" type="datetimeFigureOut">
               <a:rPr lang="de-DE" smtClean="0"/>
-              <a:t>28.03.2017</a:t>
+              <a:t>29.03.2017</a:t>
             </a:fld>
             <a:endParaRPr lang="de-DE"/>
           </a:p>
@@ -1067,7 +1067,7 @@
           <a:p>
             <a:fld id="{5E6B72D5-C570-4B9B-ABA2-E05840AFC85A}" type="datetimeFigureOut">
               <a:rPr lang="de-DE" smtClean="0"/>
-              <a:t>28.03.2017</a:t>
+              <a:t>29.03.2017</a:t>
             </a:fld>
             <a:endParaRPr lang="de-DE"/>
           </a:p>
@@ -1355,7 +1355,7 @@
           <a:p>
             <a:fld id="{5E6B72D5-C570-4B9B-ABA2-E05840AFC85A}" type="datetimeFigureOut">
               <a:rPr lang="de-DE" smtClean="0"/>
-              <a:t>28.03.2017</a:t>
+              <a:t>29.03.2017</a:t>
             </a:fld>
             <a:endParaRPr lang="de-DE"/>
           </a:p>
@@ -1777,7 +1777,7 @@
           <a:p>
             <a:fld id="{5E6B72D5-C570-4B9B-ABA2-E05840AFC85A}" type="datetimeFigureOut">
               <a:rPr lang="de-DE" smtClean="0"/>
-              <a:t>28.03.2017</a:t>
+              <a:t>29.03.2017</a:t>
             </a:fld>
             <a:endParaRPr lang="de-DE"/>
           </a:p>
@@ -1895,7 +1895,7 @@
           <a:p>
             <a:fld id="{5E6B72D5-C570-4B9B-ABA2-E05840AFC85A}" type="datetimeFigureOut">
               <a:rPr lang="de-DE" smtClean="0"/>
-              <a:t>28.03.2017</a:t>
+              <a:t>29.03.2017</a:t>
             </a:fld>
             <a:endParaRPr lang="de-DE"/>
           </a:p>
@@ -1990,7 +1990,7 @@
           <a:p>
             <a:fld id="{5E6B72D5-C570-4B9B-ABA2-E05840AFC85A}" type="datetimeFigureOut">
               <a:rPr lang="de-DE" smtClean="0"/>
-              <a:t>28.03.2017</a:t>
+              <a:t>29.03.2017</a:t>
             </a:fld>
             <a:endParaRPr lang="de-DE"/>
           </a:p>
@@ -2267,7 +2267,7 @@
           <a:p>
             <a:fld id="{5E6B72D5-C570-4B9B-ABA2-E05840AFC85A}" type="datetimeFigureOut">
               <a:rPr lang="de-DE" smtClean="0"/>
-              <a:t>28.03.2017</a:t>
+              <a:t>29.03.2017</a:t>
             </a:fld>
             <a:endParaRPr lang="de-DE"/>
           </a:p>
@@ -2524,7 +2524,7 @@
           <a:p>
             <a:fld id="{5E6B72D5-C570-4B9B-ABA2-E05840AFC85A}" type="datetimeFigureOut">
               <a:rPr lang="de-DE" smtClean="0"/>
-              <a:t>28.03.2017</a:t>
+              <a:t>29.03.2017</a:t>
             </a:fld>
             <a:endParaRPr lang="de-DE"/>
           </a:p>
@@ -2845,7 +2845,7 @@
           <a:p>
             <a:fld id="{5E6B72D5-C570-4B9B-ABA2-E05840AFC85A}" type="datetimeFigureOut">
               <a:rPr lang="de-DE" smtClean="0"/>
-              <a:t>28.03.2017</a:t>
+              <a:t>29.03.2017</a:t>
             </a:fld>
             <a:endParaRPr lang="de-DE"/>
           </a:p>
@@ -4152,11 +4152,7 @@
             </a:r>
             <a:r>
               <a:rPr lang="de-DE" sz="2000" dirty="0" smtClean="0"/>
-              <a:t>	stockender Innerbetrieblicher Informationsfluss Aufgrund 		von fehlendem Wissen bzw</a:t>
-            </a:r>
-            <a:r>
-              <a:rPr lang="de-DE" sz="2000" dirty="0" smtClean="0"/>
-              <a:t>. fehlender Absprache</a:t>
+              <a:t>	stockender Innerbetrieblicher Informationsfluss Aufgrund 		von fehlendem Wissen bzw. fehlender Absprache</a:t>
             </a:r>
           </a:p>
           <a:p>
@@ -4220,15 +4216,7 @@
             </a:br>
             <a:r>
               <a:rPr lang="de-DE" dirty="0" smtClean="0"/>
-              <a:t>	</a:t>
-            </a:r>
-            <a:r>
-              <a:rPr lang="de-DE" dirty="0" smtClean="0"/>
-              <a:t>	  </a:t>
-            </a:r>
-            <a:r>
-              <a:rPr lang="de-DE" dirty="0" smtClean="0"/>
-              <a:t>			</a:t>
+              <a:t>		  			</a:t>
             </a:r>
             <a:endParaRPr lang="de-DE" dirty="0"/>
           </a:p>
@@ -4457,39 +4445,35 @@
               <a:rPr lang="de-DE" sz="2400" dirty="0"/>
             </a:br>
             <a:r>
-              <a:rPr lang="de-DE" sz="2400" dirty="0" smtClean="0"/>
-              <a:t>	- </a:t>
-            </a:r>
-            <a:r>
-              <a:rPr lang="de-DE" sz="2400" dirty="0" smtClean="0"/>
-              <a:t>Informationsveranstaltung in den einzelnen Abteilungen</a:t>
+              <a:rPr lang="de-DE" sz="2000" dirty="0" smtClean="0"/>
+              <a:t>	- Informationsveranstaltung in den einzelnen Abteilungen</a:t>
             </a:r>
             <a:br>
-              <a:rPr lang="de-DE" sz="2400" dirty="0" smtClean="0"/>
+              <a:rPr lang="de-DE" sz="2000" dirty="0" smtClean="0"/>
             </a:br>
             <a:r>
-              <a:rPr lang="de-DE" sz="2400" dirty="0" smtClean="0"/>
+              <a:rPr lang="de-DE" sz="2000" dirty="0" smtClean="0"/>
               <a:t>	- Erstellen eines übersichtlichen Planes der vorhandenen</a:t>
             </a:r>
             <a:br>
-              <a:rPr lang="de-DE" sz="2400" dirty="0" smtClean="0"/>
+              <a:rPr lang="de-DE" sz="2000" dirty="0" smtClean="0"/>
             </a:br>
             <a:r>
-              <a:rPr lang="de-DE" sz="2400" dirty="0" smtClean="0"/>
+              <a:rPr lang="de-DE" sz="2000" dirty="0" smtClean="0"/>
               <a:t>		Systeme und deren Funktion</a:t>
             </a:r>
             <a:br>
-              <a:rPr lang="de-DE" sz="2400" dirty="0" smtClean="0"/>
+              <a:rPr lang="de-DE" sz="2000" dirty="0" smtClean="0"/>
             </a:br>
             <a:r>
-              <a:rPr lang="de-DE" sz="2400" dirty="0" smtClean="0"/>
+              <a:rPr lang="de-DE" sz="2000" dirty="0" smtClean="0"/>
               <a:t>	- direkte Kommunikation und Wissensaustausch zwischen </a:t>
             </a:r>
             <a:br>
-              <a:rPr lang="de-DE" sz="2400" dirty="0" smtClean="0"/>
+              <a:rPr lang="de-DE" sz="2000" dirty="0" smtClean="0"/>
             </a:br>
             <a:r>
-              <a:rPr lang="de-DE" sz="2400" dirty="0" smtClean="0"/>
+              <a:rPr lang="de-DE" sz="2000" dirty="0" smtClean="0"/>
               <a:t>		Abteilung sowie gemeinsame Planung</a:t>
             </a:r>
           </a:p>
@@ -4531,15 +4515,7 @@
             </a:br>
             <a:r>
               <a:rPr lang="de-DE" dirty="0" smtClean="0"/>
-              <a:t>	</a:t>
-            </a:r>
-            <a:r>
-              <a:rPr lang="de-DE" dirty="0" smtClean="0"/>
-              <a:t>	  </a:t>
-            </a:r>
-            <a:r>
-              <a:rPr lang="de-DE" dirty="0" smtClean="0"/>
-              <a:t>			</a:t>
+              <a:t>		  			</a:t>
             </a:r>
             <a:endParaRPr lang="de-DE" dirty="0"/>
           </a:p>
@@ -4555,6 +4531,13 @@
   <p:clrMapOvr>
     <a:masterClrMapping/>
   </p:clrMapOvr>
+  <p:timing>
+    <p:tnLst>
+      <p:par>
+        <p:cTn id="1" dur="indefinite" restart="never" nodeType="tmRoot"/>
+      </p:par>
+    </p:tnLst>
+  </p:timing>
 </p:sld>
 </file>
 
@@ -4599,11 +4582,7 @@
           <a:p>
             <a:r>
               <a:rPr lang="de-DE" sz="2000" b="1" u="sng" dirty="0" smtClean="0"/>
-              <a:t>Mein Erfolg</a:t>
-            </a:r>
-            <a:r>
-              <a:rPr lang="de-DE" sz="2000" b="1" u="sng" dirty="0" smtClean="0"/>
-              <a:t>:</a:t>
+              <a:t>Mein Erfolg:</a:t>
             </a:r>
             <a:r>
               <a:rPr lang="de-DE" sz="2000" dirty="0" smtClean="0"/>
@@ -4630,11 +4609,7 @@
           <a:p>
             <a:r>
               <a:rPr lang="de-DE" sz="2000" b="1" u="sng" dirty="0" smtClean="0"/>
-              <a:t>Problem</a:t>
-            </a:r>
-            <a:r>
-              <a:rPr lang="de-DE" sz="2000" b="1" u="sng" dirty="0" smtClean="0"/>
-              <a:t>:</a:t>
+              <a:t>Problem:</a:t>
             </a:r>
             <a:r>
               <a:rPr lang="de-DE" sz="2000" dirty="0" smtClean="0"/>
@@ -4730,6 +4705,13 @@
   <p:clrMapOvr>
     <a:masterClrMapping/>
   </p:clrMapOvr>
+  <p:timing>
+    <p:tnLst>
+      <p:par>
+        <p:cTn id="1" dur="indefinite" restart="never" nodeType="tmRoot"/>
+      </p:par>
+    </p:tnLst>
+  </p:timing>
 </p:sld>
 </file>
 
@@ -4828,19 +4810,11 @@
           <a:p>
             <a:r>
               <a:rPr lang="de-DE" sz="2000" b="1" u="sng" dirty="0" smtClean="0"/>
-              <a:t>Mein </a:t>
-            </a:r>
-            <a:r>
-              <a:rPr lang="de-DE" sz="2000" b="1" u="sng" dirty="0" smtClean="0"/>
-              <a:t>Erfolg:</a:t>
+              <a:t>Mein Erfolg:</a:t>
             </a:r>
             <a:r>
               <a:rPr lang="de-DE" sz="2000" dirty="0" smtClean="0"/>
-              <a:t> Erleichterung </a:t>
-            </a:r>
-            <a:r>
-              <a:rPr lang="de-DE" sz="2000" dirty="0" smtClean="0"/>
-              <a:t>der Arbeit für den Benutzer</a:t>
+              <a:t> Erleichterung der Arbeit für den Benutzer</a:t>
             </a:r>
             <a:r>
               <a:rPr lang="de-DE" sz="400" dirty="0" smtClean="0"/>
@@ -4971,6 +4945,13 @@
   <p:clrMapOvr>
     <a:masterClrMapping/>
   </p:clrMapOvr>
+  <p:timing>
+    <p:tnLst>
+      <p:par>
+        <p:cTn id="1" dur="indefinite" restart="never" nodeType="tmRoot"/>
+      </p:par>
+    </p:tnLst>
+  </p:timing>
 </p:sld>
 </file>
 
